--- a/履歷.pptx
+++ b/履歷.pptx
@@ -262,7 +262,7 @@
           <a:p>
             <a:fld id="{1D8BD707-D9CF-40AE-B4C6-C98DA3205C09}" type="datetimeFigureOut">
               <a:rPr lang="en-US"/>
-              <a:t>6/29/2020</a:t>
+              <a:t>6/30/2020</a:t>
             </a:fld>
             <a:endParaRPr lang="en-US"/>
           </a:p>
@@ -427,7 +427,7 @@
           <a:p>
             <a:fld id="{1D8BD707-D9CF-40AE-B4C6-C98DA3205C09}" type="datetimeFigureOut">
               <a:rPr lang="en-US"/>
-              <a:t>6/29/2020</a:t>
+              <a:t>6/30/2020</a:t>
             </a:fld>
             <a:endParaRPr lang="en-US"/>
           </a:p>
@@ -635,7 +635,7 @@
           <a:p>
             <a:fld id="{1D8BD707-D9CF-40AE-B4C6-C98DA3205C09}" type="datetimeFigureOut">
               <a:rPr lang="en-US"/>
-              <a:t>6/29/2020</a:t>
+              <a:t>6/30/2020</a:t>
             </a:fld>
             <a:endParaRPr lang="en-US"/>
           </a:p>
@@ -777,7 +777,7 @@
           <a:p>
             <a:fld id="{1D8BD707-D9CF-40AE-B4C6-C98DA3205C09}" type="datetimeFigureOut">
               <a:rPr lang="en-US"/>
-              <a:t>6/29/2020</a:t>
+              <a:t>6/30/2020</a:t>
             </a:fld>
             <a:endParaRPr lang="en-US"/>
           </a:p>
@@ -896,7 +896,7 @@
           <a:p>
             <a:fld id="{1D8BD707-D9CF-40AE-B4C6-C98DA3205C09}" type="datetimeFigureOut">
               <a:rPr lang="en-US"/>
-              <a:t>6/29/2020</a:t>
+              <a:t>6/30/2020</a:t>
             </a:fld>
             <a:endParaRPr lang="en-US"/>
           </a:p>
@@ -1288,7 +1288,7 @@
           <a:p>
             <a:fld id="{1D8BD707-D9CF-40AE-B4C6-C98DA3205C09}" type="datetimeFigureOut">
               <a:rPr lang="en-US"/>
-              <a:t>6/29/2020</a:t>
+              <a:t>6/30/2020</a:t>
             </a:fld>
             <a:endParaRPr lang="en-US"/>
           </a:p>
@@ -1534,7 +1534,7 @@
               </a:spcBef>
             </a:pPr>
             <a:r>
-              <a:rPr lang="en-US" sz="817" dirty="0" smtClean="0">
+              <a:rPr lang="en-US" altLang="zh-TW" sz="817" dirty="0" smtClean="0">
                 <a:solidFill>
                   <a:srgbClr val="626366"/>
                 </a:solidFill>
@@ -1542,7 +1542,7 @@
                 <a:ea typeface="Noto Sans CJK TC Regular" panose="020B0500000000000000" pitchFamily="34" charset="-120"/>
                 <a:cs typeface="IPAexGothic"/>
               </a:rPr>
-              <a:t>DEVICE</a:t>
+              <a:t>API</a:t>
             </a:r>
             <a:endParaRPr sz="817" dirty="0">
               <a:latin typeface="Noto Sans CJK TC Regular" panose="020B0500000000000000" pitchFamily="34" charset="-120"/>
@@ -5432,18 +5432,7 @@
                 <a:ea typeface="Noto Sans CJK TC Regular" panose="020B0500000000000000" pitchFamily="34" charset="-120"/>
                 <a:cs typeface="Lato"/>
               </a:rPr>
-              <a:t>C</a:t>
-            </a:r>
-            <a:r>
-              <a:rPr sz="681" dirty="0" smtClean="0">
-                <a:solidFill>
-                  <a:srgbClr val="808183"/>
-                </a:solidFill>
-                <a:latin typeface="Noto Sans CJK TC Regular" panose="020B0500000000000000" pitchFamily="34" charset="-120"/>
-                <a:ea typeface="Noto Sans CJK TC Regular" panose="020B0500000000000000" pitchFamily="34" charset="-120"/>
-                <a:cs typeface="Lato"/>
-              </a:rPr>
-              <a:t>#</a:t>
+              <a:t>C#</a:t>
             </a:r>
             <a:endParaRPr lang="en-US" sz="681" dirty="0" smtClean="0">
               <a:solidFill>
@@ -5466,35 +5455,16 @@
               <a:buChar char="•"/>
             </a:pPr>
             <a:r>
-              <a:rPr lang="en-US" altLang="zh-TW" sz="681" dirty="0">
-                <a:solidFill>
-                  <a:srgbClr val="808183"/>
-                </a:solidFill>
-                <a:latin typeface="Noto Sans CJK TC Regular" panose="020B0500000000000000" pitchFamily="34" charset="-120"/>
-                <a:ea typeface="Noto Sans CJK TC Regular" panose="020B0500000000000000" pitchFamily="34" charset="-120"/>
-                <a:cs typeface="Lato"/>
-              </a:rPr>
-              <a:t>SHADER(Cg/HLSL</a:t>
-            </a:r>
-            <a:r>
-              <a:rPr lang="en-US" altLang="zh-TW" sz="681" dirty="0" smtClean="0">
-                <a:solidFill>
-                  <a:srgbClr val="808183"/>
-                </a:solidFill>
-                <a:latin typeface="Noto Sans CJK TC Regular" panose="020B0500000000000000" pitchFamily="34" charset="-120"/>
-                <a:ea typeface="Noto Sans CJK TC Regular" panose="020B0500000000000000" pitchFamily="34" charset="-120"/>
-                <a:cs typeface="Lato"/>
-              </a:rPr>
-              <a:t>)</a:t>
-            </a:r>
-            <a:endParaRPr lang="en-US" sz="681" dirty="0" smtClean="0">
-              <a:solidFill>
-                <a:srgbClr val="808183"/>
-              </a:solidFill>
-              <a:latin typeface="Noto Sans CJK TC Regular" panose="020B0500000000000000" pitchFamily="34" charset="-120"/>
-              <a:ea typeface="Noto Sans CJK TC Regular" panose="020B0500000000000000" pitchFamily="34" charset="-120"/>
-              <a:cs typeface="Lato"/>
-            </a:endParaRPr>
+              <a:rPr lang="en-US" sz="681" dirty="0" smtClean="0">
+                <a:solidFill>
+                  <a:srgbClr val="808183"/>
+                </a:solidFill>
+                <a:latin typeface="Noto Sans CJK TC Regular" panose="020B0500000000000000" pitchFamily="34" charset="-120"/>
+                <a:ea typeface="Noto Sans CJK TC Regular" panose="020B0500000000000000" pitchFamily="34" charset="-120"/>
+                <a:cs typeface="Lato"/>
+              </a:rPr>
+              <a:t>JavaScript</a:t>
+            </a:r>
           </a:p>
           <a:p>
             <a:pPr marL="182979" indent="-171450">
@@ -5508,16 +5478,24 @@
               <a:buChar char="•"/>
             </a:pPr>
             <a:r>
-              <a:rPr lang="en-US" sz="681" dirty="0" smtClean="0">
-                <a:solidFill>
-                  <a:srgbClr val="808183"/>
-                </a:solidFill>
-                <a:latin typeface="Noto Sans CJK TC Regular" panose="020B0500000000000000" pitchFamily="34" charset="-120"/>
-                <a:ea typeface="Noto Sans CJK TC Regular" panose="020B0500000000000000" pitchFamily="34" charset="-120"/>
-                <a:cs typeface="Lato"/>
-              </a:rPr>
-              <a:t>JavaScript</a:t>
-            </a:r>
+              <a:rPr lang="en-US" altLang="zh-TW" sz="681" dirty="0">
+                <a:solidFill>
+                  <a:srgbClr val="808183"/>
+                </a:solidFill>
+                <a:latin typeface="Noto Sans CJK TC Regular" panose="020B0500000000000000" pitchFamily="34" charset="-120"/>
+                <a:ea typeface="Noto Sans CJK TC Regular" panose="020B0500000000000000" pitchFamily="34" charset="-120"/>
+                <a:cs typeface="Lato"/>
+              </a:rPr>
+              <a:t>GLSL</a:t>
+            </a:r>
+            <a:endParaRPr lang="en-US" sz="681" dirty="0" smtClean="0">
+              <a:solidFill>
+                <a:srgbClr val="808183"/>
+              </a:solidFill>
+              <a:latin typeface="Noto Sans CJK TC Regular" panose="020B0500000000000000" pitchFamily="34" charset="-120"/>
+              <a:ea typeface="Noto Sans CJK TC Regular" panose="020B0500000000000000" pitchFamily="34" charset="-120"/>
+              <a:cs typeface="Lato"/>
+            </a:endParaRPr>
           </a:p>
           <a:p>
             <a:pPr marL="182979" indent="-171450">
@@ -6298,165 +6276,55 @@
         </p:nvSpPr>
         <p:spPr>
           <a:xfrm>
-            <a:off x="315842" y="6111968"/>
-            <a:ext cx="1545067" cy="570112"/>
+            <a:off x="4996876" y="1325749"/>
+            <a:ext cx="1779302" cy="116411"/>
           </a:xfrm>
           <a:prstGeom prst="rect">
             <a:avLst/>
           </a:prstGeom>
         </p:spPr>
         <p:txBody>
-          <a:bodyPr vert="horz" wrap="square" lIns="0" tIns="25356" rIns="0" bIns="0" rtlCol="0">
+          <a:bodyPr vert="horz" wrap="square" lIns="0" tIns="11526" rIns="0" bIns="0" rtlCol="0">
             <a:spAutoFit/>
           </a:bodyPr>
-          <a:lstStyle/>
-          <a:p>
-            <a:pPr marL="11529">
+          <a:lstStyle>
+            <a:defPPr>
+              <a:defRPr lang="zh-TW"/>
+            </a:defPPr>
+            <a:lvl1pPr marL="11529">
               <a:spcBef>
-                <a:spcPts val="199"/>
+                <a:spcPts val="91"/>
               </a:spcBef>
-            </a:pPr>
-            <a:r>
-              <a:rPr sz="817" dirty="0">
-                <a:solidFill>
-                  <a:srgbClr val="E6E6E7"/>
-                </a:solidFill>
-                <a:latin typeface="Noto Sans CJK TC Regular" panose="020B0500000000000000" pitchFamily="34" charset="-120"/>
-                <a:ea typeface="Noto Sans CJK TC Regular" panose="020B0500000000000000" pitchFamily="34" charset="-120"/>
-                <a:cs typeface="Guseul"/>
-              </a:rPr>
-              <a:t>個</a:t>
-            </a:r>
-            <a:r>
-              <a:rPr sz="817" dirty="0">
-                <a:solidFill>
-                  <a:srgbClr val="E6E6E7"/>
-                </a:solidFill>
-                <a:latin typeface="Noto Sans CJK TC Regular" panose="020B0500000000000000" pitchFamily="34" charset="-120"/>
-                <a:ea typeface="Noto Sans CJK TC Regular" panose="020B0500000000000000" pitchFamily="34" charset="-120"/>
-                <a:cs typeface="Noto Sans CJK JP Medium"/>
-              </a:rPr>
-              <a:t>⼈</a:t>
-            </a:r>
-            <a:r>
-              <a:rPr sz="817" dirty="0">
-                <a:solidFill>
-                  <a:srgbClr val="E6E6E7"/>
-                </a:solidFill>
-                <a:latin typeface="Noto Sans CJK TC Regular" panose="020B0500000000000000" pitchFamily="34" charset="-120"/>
-                <a:ea typeface="Noto Sans CJK TC Regular" panose="020B0500000000000000" pitchFamily="34" charset="-120"/>
-                <a:cs typeface="Guseul"/>
-              </a:rPr>
-              <a:t>網站</a:t>
-            </a:r>
-            <a:r>
-              <a:rPr sz="817" dirty="0">
-                <a:solidFill>
-                  <a:srgbClr val="E6E6E7"/>
-                </a:solidFill>
-                <a:latin typeface="Noto Sans CJK TC Regular" panose="020B0500000000000000" pitchFamily="34" charset="-120"/>
-                <a:ea typeface="Noto Sans CJK TC Regular" panose="020B0500000000000000" pitchFamily="34" charset="-120"/>
-                <a:cs typeface="Lato"/>
-              </a:rPr>
-              <a:t>:</a:t>
-            </a:r>
-            <a:endParaRPr sz="817" dirty="0">
-              <a:latin typeface="Noto Sans CJK TC Regular" panose="020B0500000000000000" pitchFamily="34" charset="-120"/>
-              <a:ea typeface="Noto Sans CJK TC Regular" panose="020B0500000000000000" pitchFamily="34" charset="-120"/>
-              <a:cs typeface="Lato"/>
-            </a:endParaRPr>
-          </a:p>
-          <a:p>
-            <a:pPr marL="11529" marR="4612">
-              <a:lnSpc>
-                <a:spcPct val="111000"/>
-              </a:lnSpc>
-            </a:pPr>
-            <a:r>
-              <a:rPr sz="817" u="sng" spc="50" dirty="0">
-                <a:solidFill>
-                  <a:srgbClr val="E6E6E7"/>
-                </a:solidFill>
-                <a:uFill>
-                  <a:solidFill>
-                    <a:srgbClr val="E6E6E7"/>
-                  </a:solidFill>
-                </a:uFill>
-                <a:latin typeface="Noto Sans CJK TC Regular" panose="020B0500000000000000" pitchFamily="34" charset="-120"/>
-                <a:ea typeface="Noto Sans CJK TC Regular" panose="020B0500000000000000" pitchFamily="34" charset="-120"/>
-                <a:cs typeface="Lato"/>
+              <a:defRPr sz="681" spc="-5">
+                <a:solidFill>
+                  <a:srgbClr val="767779"/>
+                </a:solidFill>
+                <a:latin typeface="Noto Sans CJK TC Regular" panose="020B0500000000000000" pitchFamily="34" charset="-120"/>
+                <a:ea typeface="Noto Sans CJK TC Regular" panose="020B0500000000000000" pitchFamily="34" charset="-120"/>
+                <a:cs typeface="Lato"/>
+              </a:defRPr>
+            </a:lvl1pPr>
+          </a:lstStyle>
+          <a:p>
+            <a:r>
+              <a:rPr lang="en-US" altLang="zh-TW" dirty="0">
                 <a:hlinkClick r:id="rId7"/>
               </a:rPr>
-              <a:t>htps:</a:t>
-            </a:r>
-            <a:r>
-              <a:rPr sz="817" u="sng" dirty="0">
-                <a:solidFill>
-                  <a:srgbClr val="E6E6E7"/>
-                </a:solidFill>
-                <a:uFill>
-                  <a:solidFill>
-                    <a:srgbClr val="E6E6E7"/>
-                  </a:solidFill>
-                </a:uFill>
-                <a:latin typeface="Noto Sans CJK TC Regular" panose="020B0500000000000000" pitchFamily="34" charset="-120"/>
-                <a:ea typeface="Noto Sans CJK TC Regular" panose="020B0500000000000000" pitchFamily="34" charset="-120"/>
-                <a:cs typeface="Lato"/>
+              <a:t>https://</a:t>
+            </a:r>
+            <a:r>
+              <a:rPr lang="en-US" altLang="zh-TW" dirty="0">
                 <a:hlinkClick r:id="rId7"/>
               </a:rPr>
-              <a:t> </a:t>
-            </a:r>
-            <a:r>
-              <a:rPr sz="817" u="sng" spc="-5" dirty="0">
-                <a:solidFill>
-                  <a:srgbClr val="E6E6E7"/>
-                </a:solidFill>
-                <a:uFill>
-                  <a:solidFill>
-                    <a:srgbClr val="E6E6E7"/>
-                  </a:solidFill>
-                </a:uFill>
-                <a:latin typeface="Noto Sans CJK TC Regular" panose="020B0500000000000000" pitchFamily="34" charset="-120"/>
-                <a:ea typeface="Noto Sans CJK TC Regular" panose="020B0500000000000000" pitchFamily="34" charset="-120"/>
-                <a:cs typeface="Lato"/>
+              <a:t>tsumikihuang.github.io</a:t>
+            </a:r>
+            <a:r>
+              <a:rPr lang="en-US" altLang="zh-TW" dirty="0">
                 <a:hlinkClick r:id="rId7"/>
               </a:rPr>
-              <a:t>/tsumikihuang.github.io/02 </a:t>
-            </a:r>
-            <a:r>
-              <a:rPr sz="817" dirty="0">
-                <a:solidFill>
-                  <a:srgbClr val="E6E6E7"/>
-                </a:solidFill>
-                <a:latin typeface="Noto Sans CJK TC Regular" panose="020B0500000000000000" pitchFamily="34" charset="-120"/>
-                <a:ea typeface="Noto Sans CJK TC Regular" panose="020B0500000000000000" pitchFamily="34" charset="-120"/>
-                <a:cs typeface="Lato"/>
-                <a:hlinkClick r:id="rId7"/>
-              </a:rPr>
-              <a:t> </a:t>
-            </a:r>
-            <a:r>
-              <a:rPr sz="817" u="sng" spc="-14" dirty="0">
-                <a:solidFill>
-                  <a:srgbClr val="E6E6E7"/>
-                </a:solidFill>
-                <a:uFill>
-                  <a:solidFill>
-                    <a:srgbClr val="E6E6E7"/>
-                  </a:solidFill>
-                </a:uFill>
-                <a:latin typeface="Noto Sans CJK TC Regular" panose="020B0500000000000000" pitchFamily="34" charset="-120"/>
-                <a:ea typeface="Noto Sans CJK TC Regular" panose="020B0500000000000000" pitchFamily="34" charset="-120"/>
-                <a:cs typeface="Lato"/>
-                <a:hlinkClick r:id="rId7"/>
-              </a:rPr>
-              <a:t>WEB_TsumikiWeb/</a:t>
-            </a:r>
-            <a:endParaRPr sz="817" dirty="0">
-              <a:latin typeface="Noto Sans CJK TC Regular" panose="020B0500000000000000" pitchFamily="34" charset="-120"/>
-              <a:ea typeface="Noto Sans CJK TC Regular" panose="020B0500000000000000" pitchFamily="34" charset="-120"/>
-              <a:cs typeface="Lato"/>
-            </a:endParaRPr>
+              <a:t>/</a:t>
+            </a:r>
+            <a:endParaRPr dirty="0"/>
           </a:p>
         </p:txBody>
       </p:sp>
@@ -6559,7 +6427,7 @@
         <p:spPr>
           <a:xfrm>
             <a:off x="5160762" y="8668220"/>
-            <a:ext cx="934899" cy="848727"/>
+            <a:ext cx="1220980" cy="338779"/>
           </a:xfrm>
           <a:prstGeom prst="rect">
             <a:avLst/>
@@ -6590,7 +6458,7 @@
                 <a:ea typeface="Noto Sans CJK TC Regular" panose="020B0500000000000000" pitchFamily="34" charset="-120"/>
                 <a:cs typeface="Lato"/>
               </a:rPr>
-              <a:t>HTC</a:t>
+              <a:t>UNITY</a:t>
             </a:r>
             <a:r>
               <a:rPr lang="zh-TW" altLang="en-US" sz="681" dirty="0" smtClean="0">
@@ -6612,7 +6480,18 @@
                 <a:ea typeface="Noto Sans CJK TC Regular" panose="020B0500000000000000" pitchFamily="34" charset="-120"/>
                 <a:cs typeface="Lato"/>
               </a:rPr>
-              <a:t>VIVE</a:t>
+              <a:t>SHADER(Cg/HLSL</a:t>
+            </a:r>
+            <a:r>
+              <a:rPr lang="en-US" altLang="zh-TW" sz="681" dirty="0">
+                <a:solidFill>
+                  <a:srgbClr val="808183"/>
+                </a:solidFill>
+                <a:latin typeface="Noto Sans CJK TC Regular" panose="020B0500000000000000" pitchFamily="34" charset="-120"/>
+                <a:ea typeface="Noto Sans CJK TC Regular" panose="020B0500000000000000" pitchFamily="34" charset="-120"/>
+                <a:cs typeface="Lato"/>
+              </a:rPr>
+              <a:t>)</a:t>
             </a:r>
           </a:p>
           <a:p>
@@ -6635,120 +6514,19 @@
                 <a:ea typeface="Noto Sans CJK TC Regular" panose="020B0500000000000000" pitchFamily="34" charset="-120"/>
                 <a:cs typeface="Lato"/>
               </a:rPr>
-              <a:t>HTC VIVE</a:t>
-            </a:r>
-            <a:r>
-              <a:rPr lang="zh-TW" altLang="en-US" sz="681" dirty="0" smtClean="0">
-                <a:solidFill>
-                  <a:srgbClr val="808183"/>
-                </a:solidFill>
-                <a:latin typeface="Noto Sans CJK TC Regular" panose="020B0500000000000000" pitchFamily="34" charset="-120"/>
-                <a:ea typeface="Noto Sans CJK TC Regular" panose="020B0500000000000000" pitchFamily="34" charset="-120"/>
-                <a:cs typeface="Lato"/>
-              </a:rPr>
-              <a:t> </a:t>
-            </a:r>
-            <a:r>
-              <a:rPr lang="en-US" altLang="zh-TW" sz="681" dirty="0" smtClean="0">
-                <a:solidFill>
-                  <a:srgbClr val="808183"/>
-                </a:solidFill>
-                <a:latin typeface="Noto Sans CJK TC Regular" panose="020B0500000000000000" pitchFamily="34" charset="-120"/>
-                <a:ea typeface="Noto Sans CJK TC Regular" panose="020B0500000000000000" pitchFamily="34" charset="-120"/>
-                <a:cs typeface="Lato"/>
-              </a:rPr>
-              <a:t>PRO</a:t>
-            </a:r>
-            <a:r>
-              <a:rPr lang="zh-TW" altLang="en-US" sz="681" dirty="0" smtClean="0">
-                <a:solidFill>
-                  <a:srgbClr val="808183"/>
-                </a:solidFill>
-                <a:latin typeface="Noto Sans CJK TC Regular" panose="020B0500000000000000" pitchFamily="34" charset="-120"/>
-                <a:ea typeface="Noto Sans CJK TC Regular" panose="020B0500000000000000" pitchFamily="34" charset="-120"/>
-                <a:cs typeface="Lato"/>
-              </a:rPr>
-              <a:t> </a:t>
-            </a:r>
-            <a:r>
-              <a:rPr lang="en-US" altLang="zh-TW" sz="681" dirty="0" smtClean="0">
-                <a:solidFill>
-                  <a:srgbClr val="808183"/>
-                </a:solidFill>
-                <a:latin typeface="Noto Sans CJK TC Regular" panose="020B0500000000000000" pitchFamily="34" charset="-120"/>
-                <a:ea typeface="Noto Sans CJK TC Regular" panose="020B0500000000000000" pitchFamily="34" charset="-120"/>
-                <a:cs typeface="Lato"/>
-              </a:rPr>
-              <a:t>EYE</a:t>
-            </a:r>
-            <a:endParaRPr lang="en-US" altLang="zh-TW" sz="681" dirty="0" smtClean="0">
-              <a:latin typeface="Noto Sans CJK TC Regular" panose="020B0500000000000000" pitchFamily="34" charset="-120"/>
-              <a:ea typeface="Noto Sans CJK TC Regular" panose="020B0500000000000000" pitchFamily="34" charset="-120"/>
-              <a:cs typeface="Lato"/>
-            </a:endParaRPr>
-          </a:p>
-          <a:p>
-            <a:pPr marL="182979" indent="-171450">
-              <a:lnSpc>
-                <a:spcPct val="150000"/>
-              </a:lnSpc>
-              <a:spcBef>
-                <a:spcPts val="91"/>
-              </a:spcBef>
-              <a:buFont typeface="Arial" panose="020B0604020202020204" pitchFamily="34" charset="0"/>
-              <a:buChar char="•"/>
-            </a:pPr>
-            <a:r>
-              <a:rPr lang="en-US" altLang="zh-TW" sz="681" dirty="0" smtClean="0">
-                <a:solidFill>
-                  <a:srgbClr val="808183"/>
-                </a:solidFill>
-                <a:latin typeface="Noto Sans CJK TC Regular" panose="020B0500000000000000" pitchFamily="34" charset="-120"/>
-                <a:ea typeface="Noto Sans CJK TC Regular" panose="020B0500000000000000" pitchFamily="34" charset="-120"/>
-                <a:cs typeface="Lato"/>
-              </a:rPr>
-              <a:t>Google Cardboard</a:t>
-            </a:r>
-          </a:p>
-          <a:p>
-            <a:pPr marL="182979" indent="-171450">
-              <a:lnSpc>
-                <a:spcPct val="150000"/>
-              </a:lnSpc>
-              <a:spcBef>
-                <a:spcPts val="91"/>
-              </a:spcBef>
-              <a:buFont typeface="Arial" panose="020B0604020202020204" pitchFamily="34" charset="0"/>
-              <a:buChar char="•"/>
-            </a:pPr>
-            <a:r>
-              <a:rPr lang="en-US" altLang="zh-TW" sz="681" dirty="0" smtClean="0">
-                <a:solidFill>
-                  <a:srgbClr val="808183"/>
-                </a:solidFill>
-                <a:latin typeface="Noto Sans CJK TC Regular" panose="020B0500000000000000" pitchFamily="34" charset="-120"/>
-                <a:ea typeface="Noto Sans CJK TC Regular" panose="020B0500000000000000" pitchFamily="34" charset="-120"/>
-                <a:cs typeface="Lato"/>
-              </a:rPr>
-              <a:t>Tango</a:t>
-            </a:r>
-            <a:endParaRPr lang="en-US" altLang="zh-TW" sz="681" dirty="0" smtClean="0">
-              <a:latin typeface="Noto Sans CJK TC Regular" panose="020B0500000000000000" pitchFamily="34" charset="-120"/>
-              <a:ea typeface="Noto Sans CJK TC Regular" panose="020B0500000000000000" pitchFamily="34" charset="-120"/>
-              <a:cs typeface="Lato"/>
-            </a:endParaRPr>
-          </a:p>
-          <a:p>
-            <a:pPr marL="182979" indent="-171450">
-              <a:lnSpc>
-                <a:spcPct val="150000"/>
-              </a:lnSpc>
-              <a:spcBef>
-                <a:spcPts val="91"/>
-              </a:spcBef>
-              <a:buFont typeface="Arial" panose="020B0604020202020204" pitchFamily="34" charset="0"/>
-              <a:buChar char="•"/>
-            </a:pPr>
+              <a:t>OpenGL/</a:t>
+            </a:r>
+            <a:r>
+              <a:rPr lang="en-US" altLang="zh-TW" sz="681" dirty="0" err="1" smtClean="0">
+                <a:solidFill>
+                  <a:srgbClr val="808183"/>
+                </a:solidFill>
+                <a:latin typeface="Noto Sans CJK TC Regular" panose="020B0500000000000000" pitchFamily="34" charset="-120"/>
+                <a:ea typeface="Noto Sans CJK TC Regular" panose="020B0500000000000000" pitchFamily="34" charset="-120"/>
+                <a:cs typeface="Lato"/>
+              </a:rPr>
+              <a:t>WebGL</a:t>
+            </a:r>
             <a:endParaRPr sz="681" dirty="0">
               <a:latin typeface="Noto Sans CJK TC Regular" panose="020B0500000000000000" pitchFamily="34" charset="-120"/>
               <a:ea typeface="Noto Sans CJK TC Regular" panose="020B0500000000000000" pitchFamily="34" charset="-120"/>
@@ -6757,6 +6535,36 @@
           </a:p>
         </p:txBody>
       </p:sp>
+      <p:pic>
+        <p:nvPicPr>
+          <p:cNvPr id="12" name="圖片 11"/>
+          <p:cNvPicPr>
+            <a:picLocks noChangeAspect="1"/>
+          </p:cNvPicPr>
+          <p:nvPr/>
+        </p:nvPicPr>
+        <p:blipFill>
+          <a:blip r:embed="rId8" cstate="print">
+            <a:extLst>
+              <a:ext uri="{28A0092B-C50C-407E-A947-70E740481C1C}">
+                <a14:useLocalDpi xmlns:a14="http://schemas.microsoft.com/office/drawing/2010/main" val="0"/>
+              </a:ext>
+            </a:extLst>
+          </a:blip>
+          <a:stretch>
+            <a:fillRect/>
+          </a:stretch>
+        </p:blipFill>
+        <p:spPr>
+          <a:xfrm>
+            <a:off x="4847689" y="1321083"/>
+            <a:ext cx="120133" cy="120133"/>
+          </a:xfrm>
+          <a:prstGeom prst="rect">
+            <a:avLst/>
+          </a:prstGeom>
+        </p:spPr>
+      </p:pic>
     </p:spTree>
   </p:cSld>
   <p:clrMapOvr>

--- a/履歷.pptx
+++ b/履歷.pptx
@@ -262,7 +262,7 @@
           <a:p>
             <a:fld id="{1D8BD707-D9CF-40AE-B4C6-C98DA3205C09}" type="datetimeFigureOut">
               <a:rPr lang="en-US"/>
-              <a:t>6/30/2020</a:t>
+              <a:t>7/21/2020</a:t>
             </a:fld>
             <a:endParaRPr lang="en-US"/>
           </a:p>
@@ -427,7 +427,7 @@
           <a:p>
             <a:fld id="{1D8BD707-D9CF-40AE-B4C6-C98DA3205C09}" type="datetimeFigureOut">
               <a:rPr lang="en-US"/>
-              <a:t>6/30/2020</a:t>
+              <a:t>7/21/2020</a:t>
             </a:fld>
             <a:endParaRPr lang="en-US"/>
           </a:p>
@@ -635,7 +635,7 @@
           <a:p>
             <a:fld id="{1D8BD707-D9CF-40AE-B4C6-C98DA3205C09}" type="datetimeFigureOut">
               <a:rPr lang="en-US"/>
-              <a:t>6/30/2020</a:t>
+              <a:t>7/21/2020</a:t>
             </a:fld>
             <a:endParaRPr lang="en-US"/>
           </a:p>
@@ -777,7 +777,7 @@
           <a:p>
             <a:fld id="{1D8BD707-D9CF-40AE-B4C6-C98DA3205C09}" type="datetimeFigureOut">
               <a:rPr lang="en-US"/>
-              <a:t>6/30/2020</a:t>
+              <a:t>7/21/2020</a:t>
             </a:fld>
             <a:endParaRPr lang="en-US"/>
           </a:p>
@@ -896,7 +896,7 @@
           <a:p>
             <a:fld id="{1D8BD707-D9CF-40AE-B4C6-C98DA3205C09}" type="datetimeFigureOut">
               <a:rPr lang="en-US"/>
-              <a:t>6/30/2020</a:t>
+              <a:t>7/21/2020</a:t>
             </a:fld>
             <a:endParaRPr lang="en-US"/>
           </a:p>
@@ -1288,7 +1288,7 @@
           <a:p>
             <a:fld id="{1D8BD707-D9CF-40AE-B4C6-C98DA3205C09}" type="datetimeFigureOut">
               <a:rPr lang="en-US"/>
-              <a:t>6/30/2020</a:t>
+              <a:t>7/21/2020</a:t>
             </a:fld>
             <a:endParaRPr lang="en-US"/>
           </a:p>
@@ -6204,7 +6204,7 @@
               </a:spcBef>
             </a:pPr>
             <a:r>
-              <a:rPr sz="681" spc="-5" dirty="0">
+              <a:rPr sz="681" spc="-5" smtClean="0">
                 <a:solidFill>
                   <a:srgbClr val="767779"/>
                 </a:solidFill>
@@ -6213,7 +6213,31 @@
                 <a:cs typeface="Lato"/>
                 <a:hlinkClick r:id="rId6"/>
               </a:rPr>
-              <a:t>lifinghuang.ST@gmail.com</a:t>
+              <a:t>li</a:t>
+            </a:r>
+            <a:r>
+              <a:rPr lang="en-US" sz="681" spc="-5">
+                <a:solidFill>
+                  <a:srgbClr val="767779"/>
+                </a:solidFill>
+                <a:latin typeface="Noto Sans CJK TC Regular" panose="020B0500000000000000" pitchFamily="34" charset="-120"/>
+                <a:ea typeface="Noto Sans CJK TC Regular" panose="020B0500000000000000" pitchFamily="34" charset="-120"/>
+                <a:cs typeface="Lato"/>
+                <a:hlinkClick r:id="rId6"/>
+              </a:rPr>
+              <a:t>t</a:t>
+            </a:r>
+            <a:r>
+              <a:rPr sz="681" spc="-5" smtClean="0">
+                <a:solidFill>
+                  <a:srgbClr val="767779"/>
+                </a:solidFill>
+                <a:latin typeface="Noto Sans CJK TC Regular" panose="020B0500000000000000" pitchFamily="34" charset="-120"/>
+                <a:ea typeface="Noto Sans CJK TC Regular" panose="020B0500000000000000" pitchFamily="34" charset="-120"/>
+                <a:cs typeface="Lato"/>
+                <a:hlinkClick r:id="rId6"/>
+              </a:rPr>
+              <a:t>inghuang.ST@gmail.com</a:t>
             </a:r>
             <a:endParaRPr sz="681" dirty="0">
               <a:latin typeface="Noto Sans CJK TC Regular" panose="020B0500000000000000" pitchFamily="34" charset="-120"/>
@@ -6310,19 +6334,7 @@
               <a:rPr lang="en-US" altLang="zh-TW" dirty="0">
                 <a:hlinkClick r:id="rId7"/>
               </a:rPr>
-              <a:t>https://</a:t>
-            </a:r>
-            <a:r>
-              <a:rPr lang="en-US" altLang="zh-TW" dirty="0">
-                <a:hlinkClick r:id="rId7"/>
-              </a:rPr>
-              <a:t>tsumikihuang.github.io</a:t>
-            </a:r>
-            <a:r>
-              <a:rPr lang="en-US" altLang="zh-TW" dirty="0">
-                <a:hlinkClick r:id="rId7"/>
-              </a:rPr>
-              <a:t>/</a:t>
+              <a:t>https://tsumikihuang.github.io/</a:t>
             </a:r>
             <a:endParaRPr dirty="0"/>
           </a:p>

--- a/履歷.pptx
+++ b/履歷.pptx
@@ -262,7 +262,7 @@
           <a:p>
             <a:fld id="{1D8BD707-D9CF-40AE-B4C6-C98DA3205C09}" type="datetimeFigureOut">
               <a:rPr lang="en-US"/>
-              <a:t>7/21/2020</a:t>
+              <a:t>8/7/2020</a:t>
             </a:fld>
             <a:endParaRPr lang="en-US"/>
           </a:p>
@@ -427,7 +427,7 @@
           <a:p>
             <a:fld id="{1D8BD707-D9CF-40AE-B4C6-C98DA3205C09}" type="datetimeFigureOut">
               <a:rPr lang="en-US"/>
-              <a:t>7/21/2020</a:t>
+              <a:t>8/7/2020</a:t>
             </a:fld>
             <a:endParaRPr lang="en-US"/>
           </a:p>
@@ -635,7 +635,7 @@
           <a:p>
             <a:fld id="{1D8BD707-D9CF-40AE-B4C6-C98DA3205C09}" type="datetimeFigureOut">
               <a:rPr lang="en-US"/>
-              <a:t>7/21/2020</a:t>
+              <a:t>8/7/2020</a:t>
             </a:fld>
             <a:endParaRPr lang="en-US"/>
           </a:p>
@@ -777,7 +777,7 @@
           <a:p>
             <a:fld id="{1D8BD707-D9CF-40AE-B4C6-C98DA3205C09}" type="datetimeFigureOut">
               <a:rPr lang="en-US"/>
-              <a:t>7/21/2020</a:t>
+              <a:t>8/7/2020</a:t>
             </a:fld>
             <a:endParaRPr lang="en-US"/>
           </a:p>
@@ -896,7 +896,7 @@
           <a:p>
             <a:fld id="{1D8BD707-D9CF-40AE-B4C6-C98DA3205C09}" type="datetimeFigureOut">
               <a:rPr lang="en-US"/>
-              <a:t>7/21/2020</a:t>
+              <a:t>8/7/2020</a:t>
             </a:fld>
             <a:endParaRPr lang="en-US"/>
           </a:p>
@@ -1288,7 +1288,7 @@
           <a:p>
             <a:fld id="{1D8BD707-D9CF-40AE-B4C6-C98DA3205C09}" type="datetimeFigureOut">
               <a:rPr lang="en-US"/>
-              <a:t>7/21/2020</a:t>
+              <a:t>8/7/2020</a:t>
             </a:fld>
             <a:endParaRPr lang="en-US"/>
           </a:p>
@@ -2181,76 +2181,6 @@
       </p:sp>
       <p:sp>
         <p:nvSpPr>
-          <p:cNvPr id="6" name="object 6"/>
-          <p:cNvSpPr txBox="1"/>
-          <p:nvPr/>
-        </p:nvSpPr>
-        <p:spPr>
-          <a:xfrm>
-            <a:off x="297776" y="5544175"/>
-            <a:ext cx="1348548" cy="397129"/>
-          </a:xfrm>
-          <a:prstGeom prst="rect">
-            <a:avLst/>
-          </a:prstGeom>
-        </p:spPr>
-        <p:txBody>
-          <a:bodyPr vert="horz" wrap="square" lIns="0" tIns="11526" rIns="0" bIns="0" rtlCol="0">
-            <a:spAutoFit/>
-          </a:bodyPr>
-          <a:lstStyle/>
-          <a:p>
-            <a:pPr marL="11529" marR="4612">
-              <a:lnSpc>
-                <a:spcPct val="114500"/>
-              </a:lnSpc>
-              <a:spcBef>
-                <a:spcPts val="91"/>
-              </a:spcBef>
-            </a:pPr>
-            <a:r>
-              <a:rPr sz="1089" b="1" spc="-5" dirty="0">
-                <a:solidFill>
-                  <a:srgbClr val="E6E6E7"/>
-                </a:solidFill>
-                <a:latin typeface="Noto Sans CJK TC Regular" panose="020B0500000000000000" pitchFamily="34" charset="-120"/>
-                <a:ea typeface="Noto Sans CJK TC Regular" panose="020B0500000000000000" pitchFamily="34" charset="-120"/>
-                <a:cs typeface="Lato"/>
-              </a:rPr>
-              <a:t>WEBSITES &amp;</a:t>
-            </a:r>
-            <a:r>
-              <a:rPr sz="1089" b="1" spc="-36" dirty="0">
-                <a:solidFill>
-                  <a:srgbClr val="E6E6E7"/>
-                </a:solidFill>
-                <a:latin typeface="Noto Sans CJK TC Regular" panose="020B0500000000000000" pitchFamily="34" charset="-120"/>
-                <a:ea typeface="Noto Sans CJK TC Regular" panose="020B0500000000000000" pitchFamily="34" charset="-120"/>
-                <a:cs typeface="Lato"/>
-              </a:rPr>
-              <a:t> </a:t>
-            </a:r>
-            <a:r>
-              <a:rPr sz="1089" b="1" spc="-5" dirty="0">
-                <a:solidFill>
-                  <a:srgbClr val="E6E6E7"/>
-                </a:solidFill>
-                <a:latin typeface="Noto Sans CJK TC Regular" panose="020B0500000000000000" pitchFamily="34" charset="-120"/>
-                <a:ea typeface="Noto Sans CJK TC Regular" panose="020B0500000000000000" pitchFamily="34" charset="-120"/>
-                <a:cs typeface="Lato"/>
-              </a:rPr>
-              <a:t>SOCIAL  LINKS</a:t>
-            </a:r>
-            <a:endParaRPr sz="1089" dirty="0">
-              <a:latin typeface="Noto Sans CJK TC Regular" panose="020B0500000000000000" pitchFamily="34" charset="-120"/>
-              <a:ea typeface="Noto Sans CJK TC Regular" panose="020B0500000000000000" pitchFamily="34" charset="-120"/>
-              <a:cs typeface="Lato"/>
-            </a:endParaRPr>
-          </a:p>
-        </p:txBody>
-      </p:sp>
-      <p:sp>
-        <p:nvSpPr>
           <p:cNvPr id="8" name="object 8"/>
           <p:cNvSpPr txBox="1"/>
           <p:nvPr/>
@@ -4415,59 +4345,6 @@
               <a:latin typeface="Noto Sans CJK TC Regular" panose="020B0500000000000000" pitchFamily="34" charset="-120"/>
               <a:ea typeface="Noto Sans CJK TC Regular" panose="020B0500000000000000" pitchFamily="34" charset="-120"/>
               <a:cs typeface="Lato"/>
-            </a:endParaRPr>
-          </a:p>
-        </p:txBody>
-      </p:sp>
-      <p:sp>
-        <p:nvSpPr>
-          <p:cNvPr id="28" name="object 28"/>
-          <p:cNvSpPr txBox="1"/>
-          <p:nvPr/>
-        </p:nvSpPr>
-        <p:spPr>
-          <a:xfrm>
-            <a:off x="299415" y="5160472"/>
-            <a:ext cx="1636122" cy="178667"/>
-          </a:xfrm>
-          <a:prstGeom prst="rect">
-            <a:avLst/>
-          </a:prstGeom>
-        </p:spPr>
-        <p:txBody>
-          <a:bodyPr vert="horz" wrap="square" lIns="0" tIns="10950" rIns="0" bIns="0" rtlCol="0">
-            <a:spAutoFit/>
-          </a:bodyPr>
-          <a:lstStyle/>
-          <a:p>
-            <a:pPr marL="11529">
-              <a:spcBef>
-                <a:spcPts val="86"/>
-              </a:spcBef>
-              <a:tabLst>
-                <a:tab pos="1624361" algn="l"/>
-              </a:tabLst>
-            </a:pPr>
-            <a:r>
-              <a:rPr sz="1089" u="sng" spc="-5" dirty="0">
-                <a:solidFill>
-                  <a:srgbClr val="808183"/>
-                </a:solidFill>
-                <a:uFill>
-                  <a:solidFill>
-                    <a:srgbClr val="808183"/>
-                  </a:solidFill>
-                </a:uFill>
-                <a:latin typeface="Noto Sans CJK TC Regular" panose="020B0500000000000000" pitchFamily="34" charset="-120"/>
-                <a:ea typeface="Noto Sans CJK TC Regular" panose="020B0500000000000000" pitchFamily="34" charset="-120"/>
-                <a:cs typeface="Times New Roman"/>
-              </a:rPr>
-              <a:t> 	</a:t>
-            </a:r>
-            <a:endParaRPr sz="1089">
-              <a:latin typeface="Noto Sans CJK TC Regular" panose="020B0500000000000000" pitchFamily="34" charset="-120"/>
-              <a:ea typeface="Noto Sans CJK TC Regular" panose="020B0500000000000000" pitchFamily="34" charset="-120"/>
-              <a:cs typeface="Times New Roman"/>
             </a:endParaRPr>
           </a:p>
         </p:txBody>
